--- a/Group10v1.pptx
+++ b/Group10v1.pptx
@@ -7,6 +7,10 @@
   <p:sldIdLst>
     <p:sldId id="256" r:id="rId2"/>
     <p:sldId id="257" r:id="rId3"/>
+    <p:sldId id="258" r:id="rId4"/>
+    <p:sldId id="259" r:id="rId5"/>
+    <p:sldId id="260" r:id="rId6"/>
+    <p:sldId id="261" r:id="rId7"/>
   </p:sldIdLst>
   <p:sldSz cx="12192000" cy="6858000"/>
   <p:notesSz cx="6858000" cy="9144000"/>
@@ -105,6 +109,11 @@
       </a:defRPr>
     </a:lvl9pPr>
   </p:defaultTextStyle>
+  <p:extLst>
+    <p:ext uri="{EFAFB233-063F-42B5-8137-9DF3F51BA10A}">
+      <p15:sldGuideLst xmlns:p15="http://schemas.microsoft.com/office/powerpoint/2012/main"/>
+    </p:ext>
+  </p:extLst>
 </p:presentation>
 </file>
 
@@ -3682,8 +3691,13 @@
           <a:p>
             <a:r>
               <a:rPr lang="en-CA" dirty="0"/>
-              <a:t>Section I</a:t>
-            </a:r>
+              <a:t>Section I – </a:t>
+            </a:r>
+            <a:r>
+              <a:rPr lang="en-CA" altLang="zh-CN" dirty="0"/>
+              <a:t>Brief</a:t>
+            </a:r>
+            <a:endParaRPr lang="en-CA" dirty="0"/>
           </a:p>
         </p:txBody>
       </p:sp>
@@ -3705,7 +3719,9 @@
         </p:nvSpPr>
         <p:spPr/>
         <p:txBody>
-          <a:bodyPr/>
+          <a:bodyPr>
+            <a:normAutofit fontScale="70000" lnSpcReduction="20000"/>
+          </a:bodyPr>
           <a:lstStyle/>
           <a:p>
             <a:r>
@@ -3757,6 +3773,30 @@
               </a:rPr>
               <a:t>the data</a:t>
             </a:r>
+          </a:p>
+          <a:p>
+            <a:r>
+              <a:rPr lang="en-US" dirty="0"/>
+              <a:t>Customer Retention is an important KPI for companies with a subscription-based business model. Customer churn is defined as the percentage of customers that stopped using your company’s product or service during a certain time frame.</a:t>
+            </a:r>
+          </a:p>
+          <a:p>
+            <a:endParaRPr lang="en-US" dirty="0"/>
+          </a:p>
+          <a:p>
+            <a:r>
+              <a:rPr lang="en-US" dirty="0"/>
+              <a:t>Purpose The ability to predict customer churn in advance allows companies to retain customers at the highest risk of churn by proactively engaging with them. This represents a huge additional potential revenue source for companies.</a:t>
+            </a:r>
+          </a:p>
+          <a:p>
+            <a:endParaRPr lang="en-US" dirty="0"/>
+          </a:p>
+          <a:p>
+            <a:r>
+              <a:rPr lang="en-US" dirty="0"/>
+              <a:t>Specifics of the Customer Churn Predictive Model One of the ways of calculating a churn rate is to divide the number of customers lost during a given time interval by the number of active customers at the beginning of the period. Specifically, a customer churn predictive model predicts the churn within that given time interval. This time interval depends on the use-case; it could be one month, three months, or even six months in advance. The cut-off date for the interval must be carefully determined and no information after the cut-off date should be used in the machine learning model.</a:t>
+            </a:r>
             <a:endParaRPr lang="en-CA" dirty="0"/>
           </a:p>
         </p:txBody>
@@ -3765,6 +3805,637 @@
     <p:extLst>
       <p:ext uri="{BB962C8B-B14F-4D97-AF65-F5344CB8AC3E}">
         <p14:creationId xmlns:p14="http://schemas.microsoft.com/office/powerpoint/2010/main" val="276317211"/>
+      </p:ext>
+    </p:extLst>
+  </p:cSld>
+  <p:clrMapOvr>
+    <a:masterClrMapping/>
+  </p:clrMapOvr>
+</p:sld>
+</file>
+
+<file path=ppt/slides/slide3.xml><?xml version="1.0" encoding="utf-8"?>
+<p:sld xmlns:a="http://schemas.openxmlformats.org/drawingml/2006/main" xmlns:r="http://schemas.openxmlformats.org/officeDocument/2006/relationships" xmlns:p="http://schemas.openxmlformats.org/presentationml/2006/main">
+  <p:cSld>
+    <p:spTree>
+      <p:nvGrpSpPr>
+        <p:cNvPr id="1" name=""/>
+        <p:cNvGrpSpPr/>
+        <p:nvPr/>
+      </p:nvGrpSpPr>
+      <p:grpSpPr>
+        <a:xfrm>
+          <a:off x="0" y="0"/>
+          <a:ext cx="0" cy="0"/>
+          <a:chOff x="0" y="0"/>
+          <a:chExt cx="0" cy="0"/>
+        </a:xfrm>
+      </p:grpSpPr>
+      <p:sp>
+        <p:nvSpPr>
+          <p:cNvPr id="2" name="Title 1">
+            <a:extLst>
+              <a:ext uri="{FF2B5EF4-FFF2-40B4-BE49-F238E27FC236}">
+                <a16:creationId xmlns:a16="http://schemas.microsoft.com/office/drawing/2014/main" id="{08A8590F-4D8B-4BC7-AB64-DCA034804047}"/>
+              </a:ext>
+            </a:extLst>
+          </p:cNvPr>
+          <p:cNvSpPr>
+            <a:spLocks noGrp="1"/>
+          </p:cNvSpPr>
+          <p:nvPr>
+            <p:ph type="title"/>
+          </p:nvPr>
+        </p:nvSpPr>
+        <p:spPr/>
+        <p:txBody>
+          <a:bodyPr/>
+          <a:lstStyle/>
+          <a:p>
+            <a:r>
+              <a:rPr lang="en-CA" dirty="0"/>
+              <a:t>Section I – Allocation</a:t>
+            </a:r>
+          </a:p>
+        </p:txBody>
+      </p:sp>
+      <p:sp>
+        <p:nvSpPr>
+          <p:cNvPr id="3" name="Content Placeholder 2">
+            <a:extLst>
+              <a:ext uri="{FF2B5EF4-FFF2-40B4-BE49-F238E27FC236}">
+                <a16:creationId xmlns:a16="http://schemas.microsoft.com/office/drawing/2014/main" id="{D461EAC3-1645-47F6-9FF1-B73DDD34ED55}"/>
+              </a:ext>
+            </a:extLst>
+          </p:cNvPr>
+          <p:cNvSpPr>
+            <a:spLocks noGrp="1"/>
+          </p:cNvSpPr>
+          <p:nvPr>
+            <p:ph sz="quarter" idx="13"/>
+          </p:nvPr>
+        </p:nvSpPr>
+        <p:spPr/>
+        <p:txBody>
+          <a:bodyPr/>
+          <a:lstStyle/>
+          <a:p>
+            <a:r>
+              <a:rPr lang="en-US" dirty="0"/>
+              <a:t>Gabriela - test one the models that we studied</a:t>
+            </a:r>
+          </a:p>
+          <a:p>
+            <a:r>
+              <a:rPr lang="en-US" dirty="0"/>
+              <a:t>Tron - test basic neural network</a:t>
+            </a:r>
+          </a:p>
+          <a:p>
+            <a:r>
+              <a:rPr lang="en-US" dirty="0"/>
+              <a:t>Joshua - encoding, scaling, bucketing: pre-processing</a:t>
+            </a:r>
+          </a:p>
+          <a:p>
+            <a:r>
+              <a:rPr lang="en-US" dirty="0"/>
+              <a:t>Sarah - describe the process</a:t>
+            </a:r>
+          </a:p>
+          <a:p>
+            <a:r>
+              <a:rPr lang="en-US" dirty="0"/>
+              <a:t>Teodora - test the </a:t>
+            </a:r>
+            <a:r>
+              <a:rPr lang="en-US" dirty="0" err="1"/>
+              <a:t>pycaret</a:t>
+            </a:r>
+            <a:r>
+              <a:rPr lang="en-US" dirty="0"/>
+              <a:t> library</a:t>
+            </a:r>
+            <a:endParaRPr lang="en-CA" dirty="0"/>
+          </a:p>
+        </p:txBody>
+      </p:sp>
+    </p:spTree>
+    <p:extLst>
+      <p:ext uri="{BB962C8B-B14F-4D97-AF65-F5344CB8AC3E}">
+        <p14:creationId xmlns:p14="http://schemas.microsoft.com/office/powerpoint/2010/main" val="4062857598"/>
+      </p:ext>
+    </p:extLst>
+  </p:cSld>
+  <p:clrMapOvr>
+    <a:masterClrMapping/>
+  </p:clrMapOvr>
+</p:sld>
+</file>
+
+<file path=ppt/slides/slide4.xml><?xml version="1.0" encoding="utf-8"?>
+<p:sld xmlns:a="http://schemas.openxmlformats.org/drawingml/2006/main" xmlns:r="http://schemas.openxmlformats.org/officeDocument/2006/relationships" xmlns:p="http://schemas.openxmlformats.org/presentationml/2006/main">
+  <p:cSld>
+    <p:spTree>
+      <p:nvGrpSpPr>
+        <p:cNvPr id="1" name=""/>
+        <p:cNvGrpSpPr/>
+        <p:nvPr/>
+      </p:nvGrpSpPr>
+      <p:grpSpPr>
+        <a:xfrm>
+          <a:off x="0" y="0"/>
+          <a:ext cx="0" cy="0"/>
+          <a:chOff x="0" y="0"/>
+          <a:chExt cx="0" cy="0"/>
+        </a:xfrm>
+      </p:grpSpPr>
+      <p:sp>
+        <p:nvSpPr>
+          <p:cNvPr id="2" name="Title 1">
+            <a:extLst>
+              <a:ext uri="{FF2B5EF4-FFF2-40B4-BE49-F238E27FC236}">
+                <a16:creationId xmlns:a16="http://schemas.microsoft.com/office/drawing/2014/main" id="{B82C9A58-CC48-4F6A-B5FB-2482E155AB21}"/>
+              </a:ext>
+            </a:extLst>
+          </p:cNvPr>
+          <p:cNvSpPr>
+            <a:spLocks noGrp="1"/>
+          </p:cNvSpPr>
+          <p:nvPr>
+            <p:ph type="title"/>
+          </p:nvPr>
+        </p:nvSpPr>
+        <p:spPr/>
+        <p:txBody>
+          <a:bodyPr/>
+          <a:lstStyle/>
+          <a:p>
+            <a:r>
+              <a:rPr lang="en-CA" dirty="0"/>
+              <a:t>Section I – Data</a:t>
+            </a:r>
+          </a:p>
+        </p:txBody>
+      </p:sp>
+      <p:pic>
+        <p:nvPicPr>
+          <p:cNvPr id="7" name="Content Placeholder 6">
+            <a:extLst>
+              <a:ext uri="{FF2B5EF4-FFF2-40B4-BE49-F238E27FC236}">
+                <a16:creationId xmlns:a16="http://schemas.microsoft.com/office/drawing/2014/main" id="{D04D1484-C43E-4351-8835-CC1065F8FB95}"/>
+              </a:ext>
+            </a:extLst>
+          </p:cNvPr>
+          <p:cNvPicPr>
+            <a:picLocks noGrp="1" noChangeAspect="1"/>
+          </p:cNvPicPr>
+          <p:nvPr>
+            <p:ph idx="1"/>
+          </p:nvPr>
+        </p:nvPicPr>
+        <p:blipFill>
+          <a:blip r:embed="rId2"/>
+          <a:stretch>
+            <a:fillRect/>
+          </a:stretch>
+        </p:blipFill>
+        <p:spPr>
+          <a:xfrm>
+            <a:off x="7760901" y="822325"/>
+            <a:ext cx="1586685" cy="5184775"/>
+          </a:xfrm>
+        </p:spPr>
+      </p:pic>
+      <p:sp>
+        <p:nvSpPr>
+          <p:cNvPr id="5" name="Text Placeholder 4">
+            <a:extLst>
+              <a:ext uri="{FF2B5EF4-FFF2-40B4-BE49-F238E27FC236}">
+                <a16:creationId xmlns:a16="http://schemas.microsoft.com/office/drawing/2014/main" id="{FFD0E596-CE5B-44E8-A486-0B526E33D90B}"/>
+              </a:ext>
+            </a:extLst>
+          </p:cNvPr>
+          <p:cNvSpPr>
+            <a:spLocks noGrp="1"/>
+          </p:cNvSpPr>
+          <p:nvPr>
+            <p:ph type="body" sz="half" idx="2"/>
+          </p:nvPr>
+        </p:nvSpPr>
+        <p:spPr/>
+        <p:txBody>
+          <a:bodyPr numCol="2">
+            <a:normAutofit/>
+          </a:bodyPr>
+          <a:lstStyle/>
+          <a:p>
+            <a:r>
+              <a:rPr lang="en-CA" sz="1200" dirty="0" err="1"/>
+              <a:t>customerID</a:t>
+            </a:r>
+            <a:r>
+              <a:rPr lang="en-CA" sz="1200" dirty="0"/>
+              <a:t>  string</a:t>
+            </a:r>
+          </a:p>
+          <a:p>
+            <a:r>
+              <a:rPr lang="en-CA" sz="1200" dirty="0"/>
+              <a:t>gender string</a:t>
+            </a:r>
+          </a:p>
+          <a:p>
+            <a:r>
+              <a:rPr lang="en-CA" sz="1200" dirty="0" err="1"/>
+              <a:t>SeniorCitizen</a:t>
+            </a:r>
+            <a:r>
+              <a:rPr lang="en-CA" sz="1200" dirty="0"/>
+              <a:t> Boolean</a:t>
+            </a:r>
+          </a:p>
+          <a:p>
+            <a:r>
+              <a:rPr lang="en-CA" sz="1200" dirty="0"/>
+              <a:t>Partner  Boolean</a:t>
+            </a:r>
+          </a:p>
+          <a:p>
+            <a:r>
+              <a:rPr lang="en-CA" sz="1200" dirty="0"/>
+              <a:t>Dependents  Boolean</a:t>
+            </a:r>
+          </a:p>
+          <a:p>
+            <a:r>
+              <a:rPr lang="en-CA" sz="1200" dirty="0"/>
+              <a:t>Tenure Int</a:t>
+            </a:r>
+          </a:p>
+          <a:p>
+            <a:r>
+              <a:rPr lang="en-CA" sz="1200" dirty="0" err="1"/>
+              <a:t>PhoneService</a:t>
+            </a:r>
+            <a:r>
+              <a:rPr lang="en-CA" sz="1200" dirty="0"/>
+              <a:t>  string</a:t>
+            </a:r>
+          </a:p>
+          <a:p>
+            <a:r>
+              <a:rPr lang="en-CA" sz="1200" dirty="0" err="1"/>
+              <a:t>MultipleLines</a:t>
+            </a:r>
+            <a:r>
+              <a:rPr lang="en-CA" sz="1200" dirty="0"/>
+              <a:t>    Boolean</a:t>
+            </a:r>
+          </a:p>
+          <a:p>
+            <a:r>
+              <a:rPr lang="en-CA" sz="1200" dirty="0" err="1"/>
+              <a:t>InternetService</a:t>
+            </a:r>
+            <a:r>
+              <a:rPr lang="en-CA" sz="1200" dirty="0"/>
+              <a:t>   string</a:t>
+            </a:r>
+          </a:p>
+          <a:p>
+            <a:r>
+              <a:rPr lang="en-CA" sz="1200" dirty="0" err="1"/>
+              <a:t>OnlineSecurity</a:t>
+            </a:r>
+            <a:r>
+              <a:rPr lang="en-CA" sz="1200" dirty="0"/>
+              <a:t>  string</a:t>
+            </a:r>
+          </a:p>
+          <a:p>
+            <a:r>
+              <a:rPr lang="en-CA" sz="1200" dirty="0" err="1"/>
+              <a:t>OnlineBackup</a:t>
+            </a:r>
+            <a:r>
+              <a:rPr lang="en-CA" sz="1200" dirty="0"/>
+              <a:t>  string</a:t>
+            </a:r>
+          </a:p>
+          <a:p>
+            <a:r>
+              <a:rPr lang="en-CA" sz="1200" dirty="0" err="1"/>
+              <a:t>DeviceProtection</a:t>
+            </a:r>
+            <a:r>
+              <a:rPr lang="en-CA" sz="1200" dirty="0"/>
+              <a:t>  string</a:t>
+            </a:r>
+          </a:p>
+          <a:p>
+            <a:r>
+              <a:rPr lang="en-CA" sz="1200" dirty="0" err="1"/>
+              <a:t>TechSupport</a:t>
+            </a:r>
+            <a:r>
+              <a:rPr lang="en-CA" sz="1200" dirty="0"/>
+              <a:t>  string</a:t>
+            </a:r>
+          </a:p>
+          <a:p>
+            <a:r>
+              <a:rPr lang="en-CA" sz="1200" dirty="0" err="1"/>
+              <a:t>StreamingTV</a:t>
+            </a:r>
+            <a:r>
+              <a:rPr lang="en-CA" sz="1200" dirty="0"/>
+              <a:t>  </a:t>
+            </a:r>
+            <a:r>
+              <a:rPr lang="en-CA" sz="1200" dirty="0" err="1"/>
+              <a:t>stringStreaming</a:t>
+            </a:r>
+            <a:endParaRPr lang="en-CA" sz="1200" dirty="0"/>
+          </a:p>
+          <a:p>
+            <a:r>
+              <a:rPr lang="en-CA" sz="1200" dirty="0"/>
+              <a:t>Movies  string</a:t>
+            </a:r>
+          </a:p>
+          <a:p>
+            <a:r>
+              <a:rPr lang="en-CA" sz="1200" dirty="0"/>
+              <a:t>Contract  string</a:t>
+            </a:r>
+          </a:p>
+          <a:p>
+            <a:r>
+              <a:rPr lang="en-CA" sz="1200" dirty="0" err="1"/>
+              <a:t>PaperlessBilling</a:t>
+            </a:r>
+            <a:r>
+              <a:rPr lang="en-CA" sz="1200" dirty="0"/>
+              <a:t>    Boolean</a:t>
+            </a:r>
+          </a:p>
+          <a:p>
+            <a:r>
+              <a:rPr lang="en-CA" sz="1200" dirty="0" err="1"/>
+              <a:t>PaymentMethod</a:t>
+            </a:r>
+            <a:r>
+              <a:rPr lang="en-CA" sz="1200" dirty="0"/>
+              <a:t>   string</a:t>
+            </a:r>
+          </a:p>
+          <a:p>
+            <a:r>
+              <a:rPr lang="en-CA" sz="1200" dirty="0" err="1"/>
+              <a:t>MonthlyCharges</a:t>
+            </a:r>
+            <a:r>
+              <a:rPr lang="en-CA" sz="1200" dirty="0"/>
+              <a:t>  float</a:t>
+            </a:r>
+          </a:p>
+          <a:p>
+            <a:r>
+              <a:rPr lang="en-CA" sz="1200" dirty="0" err="1"/>
+              <a:t>TotalCharges</a:t>
+            </a:r>
+            <a:r>
+              <a:rPr lang="en-CA" sz="1200" dirty="0"/>
+              <a:t>    float</a:t>
+            </a:r>
+          </a:p>
+          <a:p>
+            <a:r>
+              <a:rPr lang="en-CA" sz="1200" dirty="0"/>
+              <a:t>Churn   </a:t>
+            </a:r>
+            <a:r>
+              <a:rPr lang="en-CA" sz="1200" dirty="0" err="1"/>
+              <a:t>boolean</a:t>
+            </a:r>
+            <a:endParaRPr lang="en-CA" sz="1200" dirty="0"/>
+          </a:p>
+        </p:txBody>
+      </p:sp>
+    </p:spTree>
+    <p:extLst>
+      <p:ext uri="{BB962C8B-B14F-4D97-AF65-F5344CB8AC3E}">
+        <p14:creationId xmlns:p14="http://schemas.microsoft.com/office/powerpoint/2010/main" val="1549615552"/>
+      </p:ext>
+    </p:extLst>
+  </p:cSld>
+  <p:clrMapOvr>
+    <a:masterClrMapping/>
+  </p:clrMapOvr>
+</p:sld>
+</file>
+
+<file path=ppt/slides/slide5.xml><?xml version="1.0" encoding="utf-8"?>
+<p:sld xmlns:a="http://schemas.openxmlformats.org/drawingml/2006/main" xmlns:r="http://schemas.openxmlformats.org/officeDocument/2006/relationships" xmlns:p="http://schemas.openxmlformats.org/presentationml/2006/main">
+  <p:cSld>
+    <p:spTree>
+      <p:nvGrpSpPr>
+        <p:cNvPr id="1" name=""/>
+        <p:cNvGrpSpPr/>
+        <p:nvPr/>
+      </p:nvGrpSpPr>
+      <p:grpSpPr>
+        <a:xfrm>
+          <a:off x="0" y="0"/>
+          <a:ext cx="0" cy="0"/>
+          <a:chOff x="0" y="0"/>
+          <a:chExt cx="0" cy="0"/>
+        </a:xfrm>
+      </p:grpSpPr>
+      <p:sp>
+        <p:nvSpPr>
+          <p:cNvPr id="2" name="Title 1">
+            <a:extLst>
+              <a:ext uri="{FF2B5EF4-FFF2-40B4-BE49-F238E27FC236}">
+                <a16:creationId xmlns:a16="http://schemas.microsoft.com/office/drawing/2014/main" id="{B82C9A58-CC48-4F6A-B5FB-2482E155AB21}"/>
+              </a:ext>
+            </a:extLst>
+          </p:cNvPr>
+          <p:cNvSpPr>
+            <a:spLocks noGrp="1"/>
+          </p:cNvSpPr>
+          <p:nvPr>
+            <p:ph type="title"/>
+          </p:nvPr>
+        </p:nvSpPr>
+        <p:spPr/>
+        <p:txBody>
+          <a:bodyPr/>
+          <a:lstStyle/>
+          <a:p>
+            <a:r>
+              <a:rPr lang="en-CA" dirty="0"/>
+              <a:t>Section I – Module</a:t>
+            </a:r>
+          </a:p>
+        </p:txBody>
+      </p:sp>
+      <p:sp>
+        <p:nvSpPr>
+          <p:cNvPr id="3" name="Content Placeholder 2">
+            <a:extLst>
+              <a:ext uri="{FF2B5EF4-FFF2-40B4-BE49-F238E27FC236}">
+                <a16:creationId xmlns:a16="http://schemas.microsoft.com/office/drawing/2014/main" id="{FAF14F33-B70B-4ED1-B37B-40215CB68914}"/>
+              </a:ext>
+            </a:extLst>
+          </p:cNvPr>
+          <p:cNvSpPr>
+            <a:spLocks noGrp="1"/>
+          </p:cNvSpPr>
+          <p:nvPr>
+            <p:ph sz="quarter" idx="13"/>
+          </p:nvPr>
+        </p:nvSpPr>
+        <p:spPr/>
+        <p:txBody>
+          <a:bodyPr/>
+          <a:lstStyle/>
+          <a:p>
+            <a:r>
+              <a:rPr lang="en-CA" dirty="0"/>
+              <a:t>Input of the data are the attributes of a customer;</a:t>
+            </a:r>
+          </a:p>
+          <a:p>
+            <a:r>
+              <a:rPr lang="en-CA" dirty="0"/>
+              <a:t>Modules to be tested: </a:t>
+            </a:r>
+          </a:p>
+          <a:p>
+            <a:r>
+              <a:rPr lang="en-CA" dirty="0"/>
+              <a:t>Output: the churn – whether the customer will choose to subscribe the service.</a:t>
+            </a:r>
+          </a:p>
+        </p:txBody>
+      </p:sp>
+    </p:spTree>
+    <p:extLst>
+      <p:ext uri="{BB962C8B-B14F-4D97-AF65-F5344CB8AC3E}">
+        <p14:creationId xmlns:p14="http://schemas.microsoft.com/office/powerpoint/2010/main" val="3642769881"/>
+      </p:ext>
+    </p:extLst>
+  </p:cSld>
+  <p:clrMapOvr>
+    <a:masterClrMapping/>
+  </p:clrMapOvr>
+</p:sld>
+</file>
+
+<file path=ppt/slides/slide6.xml><?xml version="1.0" encoding="utf-8"?>
+<p:sld xmlns:a="http://schemas.openxmlformats.org/drawingml/2006/main" xmlns:r="http://schemas.openxmlformats.org/officeDocument/2006/relationships" xmlns:p="http://schemas.openxmlformats.org/presentationml/2006/main">
+  <p:cSld>
+    <p:spTree>
+      <p:nvGrpSpPr>
+        <p:cNvPr id="1" name=""/>
+        <p:cNvGrpSpPr/>
+        <p:nvPr/>
+      </p:nvGrpSpPr>
+      <p:grpSpPr>
+        <a:xfrm>
+          <a:off x="0" y="0"/>
+          <a:ext cx="0" cy="0"/>
+          <a:chOff x="0" y="0"/>
+          <a:chExt cx="0" cy="0"/>
+        </a:xfrm>
+      </p:grpSpPr>
+      <p:sp>
+        <p:nvSpPr>
+          <p:cNvPr id="2" name="Title 1">
+            <a:extLst>
+              <a:ext uri="{FF2B5EF4-FFF2-40B4-BE49-F238E27FC236}">
+                <a16:creationId xmlns:a16="http://schemas.microsoft.com/office/drawing/2014/main" id="{B82C9A58-CC48-4F6A-B5FB-2482E155AB21}"/>
+              </a:ext>
+            </a:extLst>
+          </p:cNvPr>
+          <p:cNvSpPr>
+            <a:spLocks noGrp="1"/>
+          </p:cNvSpPr>
+          <p:nvPr>
+            <p:ph type="title"/>
+          </p:nvPr>
+        </p:nvSpPr>
+        <p:spPr/>
+        <p:txBody>
+          <a:bodyPr/>
+          <a:lstStyle/>
+          <a:p>
+            <a:r>
+              <a:rPr lang="en-CA" dirty="0"/>
+              <a:t>Section I – Project Goals</a:t>
+            </a:r>
+          </a:p>
+        </p:txBody>
+      </p:sp>
+      <p:sp>
+        <p:nvSpPr>
+          <p:cNvPr id="3" name="Content Placeholder 2">
+            <a:extLst>
+              <a:ext uri="{FF2B5EF4-FFF2-40B4-BE49-F238E27FC236}">
+                <a16:creationId xmlns:a16="http://schemas.microsoft.com/office/drawing/2014/main" id="{FAF14F33-B70B-4ED1-B37B-40215CB68914}"/>
+              </a:ext>
+            </a:extLst>
+          </p:cNvPr>
+          <p:cNvSpPr>
+            <a:spLocks noGrp="1"/>
+          </p:cNvSpPr>
+          <p:nvPr>
+            <p:ph sz="quarter" idx="13"/>
+          </p:nvPr>
+        </p:nvSpPr>
+        <p:spPr/>
+        <p:txBody>
+          <a:bodyPr/>
+          <a:lstStyle/>
+          <a:p>
+            <a:r>
+              <a:rPr lang="en-US" dirty="0"/>
+              <a:t> - What is the ML model that is most likely to accurately predict customer churn?</a:t>
+            </a:r>
+          </a:p>
+          <a:p>
+            <a:r>
+              <a:rPr lang="en-US" dirty="0"/>
+              <a:t> - Are there any business-smart metrics that need to be taken into consideration?</a:t>
+            </a:r>
+          </a:p>
+          <a:p>
+            <a:r>
+              <a:rPr lang="en-US" dirty="0"/>
+              <a:t> - Are the available fields in the data source enough to come up with a good model?</a:t>
+            </a:r>
+          </a:p>
+          <a:p>
+            <a:r>
+              <a:rPr lang="en-US" dirty="0"/>
+              <a:t> - Does the data source need any cleaning before it can be fed into a model?</a:t>
+            </a:r>
+          </a:p>
+          <a:p>
+            <a:r>
+              <a:rPr lang="en-US" dirty="0"/>
+              <a:t> - Optional: Strategies to communicate the results with non-technical senior level audience.</a:t>
+            </a:r>
+            <a:endParaRPr lang="en-CA" dirty="0"/>
+          </a:p>
+        </p:txBody>
+      </p:sp>
+    </p:spTree>
+    <p:extLst>
+      <p:ext uri="{BB962C8B-B14F-4D97-AF65-F5344CB8AC3E}">
+        <p14:creationId xmlns:p14="http://schemas.microsoft.com/office/powerpoint/2010/main" val="620465817"/>
       </p:ext>
     </p:extLst>
   </p:cSld>

--- a/Group10v1.pptx
+++ b/Group10v1.pptx
@@ -4310,7 +4310,7 @@
           <a:p>
             <a:r>
               <a:rPr lang="en-CA" dirty="0"/>
-              <a:t>Modules to be tested: </a:t>
+              <a:t>Modules to be tested: Neuron network;</a:t>
             </a:r>
           </a:p>
           <a:p>

--- a/Group10v1.pptx
+++ b/Group10v1.pptx
@@ -3633,7 +3633,7 @@
           <a:p>
             <a:r>
               <a:rPr lang="en-CA" dirty="0"/>
-              <a:t>Data Analysis Bootcamp Group 10</a:t>
+              <a:t>Data Analysis Group 10</a:t>
             </a:r>
           </a:p>
         </p:txBody>
@@ -3720,82 +3720,41 @@
         <p:spPr/>
         <p:txBody>
           <a:bodyPr>
-            <a:normAutofit fontScale="70000" lnSpcReduction="20000"/>
+            <a:normAutofit fontScale="77500" lnSpcReduction="20000"/>
           </a:bodyPr>
           <a:lstStyle/>
           <a:p>
             <a:r>
-              <a:rPr lang="en-US" b="0" i="0" dirty="0">
-                <a:solidFill>
-                  <a:srgbClr val="1D1C1D"/>
-                </a:solidFill>
-                <a:effectLst/>
-                <a:latin typeface="Slack-Lato"/>
-              </a:rPr>
-              <a:t>✓ Reason why they selected their topic</a:t>
-            </a:r>
-            <a:br>
+              <a:rPr lang="en-US" sz="3600" dirty="0"/>
+              <a:t>Customer Retention </a:t>
+            </a:r>
+            <a:r>
               <a:rPr lang="en-US" dirty="0"/>
-            </a:br>
-            <a:r>
-              <a:rPr lang="en-US" b="0" i="0" dirty="0">
-                <a:solidFill>
-                  <a:srgbClr val="1D1C1D"/>
-                </a:solidFill>
-                <a:effectLst/>
-                <a:latin typeface="Slack-Lato"/>
-              </a:rPr>
-              <a:t>✓ Description of their source of data</a:t>
-            </a:r>
-            <a:br>
+              <a:t>is an important KPI for companies with a subscription-based business model. Customer churn is defined as the percentage of customers that stopped using your company’s product or service during a certain time frame.</a:t>
+            </a:r>
+          </a:p>
+          <a:p>
+            <a:r>
               <a:rPr lang="en-US" dirty="0"/>
-            </a:br>
-            <a:r>
-              <a:rPr lang="en-US" b="0" i="0" dirty="0">
-                <a:solidFill>
-                  <a:srgbClr val="1D1C1D"/>
-                </a:solidFill>
-                <a:effectLst/>
-                <a:latin typeface="Slack-Lato"/>
-              </a:rPr>
-              <a:t>✓ Questions they hope to answer with</a:t>
-            </a:r>
-            <a:br>
+              <a:t>Purpose the ability to predict customer churn in advance allows companies to retain customers at the highest risk of churn by proactively engaging with them. This represents a huge additional potential revenue source for companies.</a:t>
+            </a:r>
+          </a:p>
+          <a:p>
+            <a:r>
               <a:rPr lang="en-US" dirty="0"/>
-            </a:br>
-            <a:r>
-              <a:rPr lang="en-US" b="0" i="0" dirty="0">
-                <a:solidFill>
-                  <a:srgbClr val="1D1C1D"/>
-                </a:solidFill>
-                <a:effectLst/>
-                <a:latin typeface="Slack-Lato"/>
-              </a:rPr>
-              <a:t>the data</a:t>
+              <a:t>Specifics of the Customer Churn Predictive Model One of the ways of calculating a churn rate is to divide the number of customers lost during a given time interval by the number of active customers at the beginning of the period. </a:t>
             </a:r>
           </a:p>
           <a:p>
             <a:r>
               <a:rPr lang="en-US" dirty="0"/>
-              <a:t>Customer Retention is an important KPI for companies with a subscription-based business model. Customer churn is defined as the percentage of customers that stopped using your company’s product or service during a certain time frame.</a:t>
-            </a:r>
-          </a:p>
-          <a:p>
-            <a:endParaRPr lang="en-US" dirty="0"/>
+              <a:t>Specifically, a customer churn predictive model predicts the churn within that given time interval. This time interval depends on the use-case; it could be one month, three months, or even six months in advance. </a:t>
+            </a:r>
           </a:p>
           <a:p>
             <a:r>
               <a:rPr lang="en-US" dirty="0"/>
-              <a:t>Purpose The ability to predict customer churn in advance allows companies to retain customers at the highest risk of churn by proactively engaging with them. This represents a huge additional potential revenue source for companies.</a:t>
-            </a:r>
-          </a:p>
-          <a:p>
-            <a:endParaRPr lang="en-US" dirty="0"/>
-          </a:p>
-          <a:p>
-            <a:r>
-              <a:rPr lang="en-US" dirty="0"/>
-              <a:t>Specifics of the Customer Churn Predictive Model One of the ways of calculating a churn rate is to divide the number of customers lost during a given time interval by the number of active customers at the beginning of the period. Specifically, a customer churn predictive model predicts the churn within that given time interval. This time interval depends on the use-case; it could be one month, three months, or even six months in advance. The cut-off date for the interval must be carefully determined and no information after the cut-off date should be used in the machine learning model.</a:t>
+              <a:t>The cut-off date for the interval must be carefully determined and no information after the cut-off date should be used in the machine learning model.</a:t>
             </a:r>
             <a:endParaRPr lang="en-CA" dirty="0"/>
           </a:p>

--- a/Group10v1.pptx
+++ b/Group10v1.pptx
@@ -4235,7 +4235,7 @@
           <a:p>
             <a:r>
               <a:rPr lang="en-CA" dirty="0"/>
-              <a:t>Section I – Module</a:t>
+              <a:t>Section I – Models</a:t>
             </a:r>
           </a:p>
         </p:txBody>
@@ -4269,7 +4269,7 @@
           <a:p>
             <a:r>
               <a:rPr lang="en-CA" dirty="0"/>
-              <a:t>Modules to be tested: Neuron network;</a:t>
+              <a:t>Models to be tested: Neuron network;</a:t>
             </a:r>
           </a:p>
           <a:p>
